--- a/slides/2023_Sharing_Teaching_Experiences_in_EMI_Courses_and_Project-based_Learning_PBL_20230522.pptx
+++ b/slides/2023_Sharing_Teaching_Experiences_in_EMI_Courses_and_Project-based_Learning_PBL_20230522.pptx
@@ -271,7 +271,7 @@
           <a:p>
             <a:fld id="{155A3957-4C3A-0949-A668-E5B432EFB7B5}" type="datetimeFigureOut">
               <a:rPr lang="en-US" smtClean="0"/>
-              <a:t>5/21/23</a:t>
+              <a:t>5/22/23</a:t>
             </a:fld>
             <a:endParaRPr lang="en-US"/>
           </a:p>
@@ -1869,7 +1869,7 @@
           <a:p>
             <a:fld id="{16CB3FA3-22CF-D24E-9257-B4BAD3401880}" type="datetime1">
               <a:rPr lang="en-US" smtClean="0"/>
-              <a:t>5/21/23</a:t>
+              <a:t>5/22/23</a:t>
             </a:fld>
             <a:endParaRPr lang="en-US"/>
           </a:p>
@@ -2067,7 +2067,7 @@
           <a:p>
             <a:fld id="{AB039A0E-6D67-224D-9CFD-01A351FD6A9C}" type="datetime1">
               <a:rPr lang="en-US" smtClean="0"/>
-              <a:t>5/21/23</a:t>
+              <a:t>5/22/23</a:t>
             </a:fld>
             <a:endParaRPr lang="en-US"/>
           </a:p>
@@ -2275,7 +2275,7 @@
           <a:p>
             <a:fld id="{C11E26E0-5B06-6D4B-BE9C-55EAEC63A6AC}" type="datetime1">
               <a:rPr lang="en-US" smtClean="0"/>
-              <a:t>5/21/23</a:t>
+              <a:t>5/22/23</a:t>
             </a:fld>
             <a:endParaRPr lang="en-US"/>
           </a:p>
@@ -2587,7 +2587,7 @@
           <a:p>
             <a:fld id="{3AF6F8BD-BCC6-7D43-A79E-885049D004FB}" type="datetime1">
               <a:rPr lang="en-US" smtClean="0"/>
-              <a:t>5/21/23</a:t>
+              <a:t>5/22/23</a:t>
             </a:fld>
             <a:endParaRPr lang="en-US"/>
           </a:p>
@@ -2872,7 +2872,7 @@
           <a:p>
             <a:fld id="{162B91CB-B2E0-BC45-A47A-800ECE7C338D}" type="datetime1">
               <a:rPr lang="en-US" smtClean="0"/>
-              <a:t>5/21/23</a:t>
+              <a:t>5/22/23</a:t>
             </a:fld>
             <a:endParaRPr lang="en-US"/>
           </a:p>
@@ -3137,7 +3137,7 @@
           <a:p>
             <a:fld id="{8FF5BBA4-D3DD-E64D-B22D-26AB1DAC96C8}" type="datetime1">
               <a:rPr lang="en-US" smtClean="0"/>
-              <a:t>5/21/23</a:t>
+              <a:t>5/22/23</a:t>
             </a:fld>
             <a:endParaRPr lang="en-US"/>
           </a:p>
@@ -3553,7 +3553,7 @@
           <a:p>
             <a:fld id="{0D08BD54-CFAB-9A4A-A893-D1FFE0B82A24}" type="datetime1">
               <a:rPr lang="en-US" smtClean="0"/>
-              <a:t>5/21/23</a:t>
+              <a:t>5/22/23</a:t>
             </a:fld>
             <a:endParaRPr lang="en-US"/>
           </a:p>
@@ -3694,7 +3694,7 @@
           <a:p>
             <a:fld id="{F87865FB-1085-8649-9C39-7DD624120DB2}" type="datetime1">
               <a:rPr lang="en-US" smtClean="0"/>
-              <a:t>5/21/23</a:t>
+              <a:t>5/22/23</a:t>
             </a:fld>
             <a:endParaRPr lang="en-US"/>
           </a:p>
@@ -3807,7 +3807,7 @@
           <a:p>
             <a:fld id="{E2A09962-BA7E-D649-BE8D-7B231E22E385}" type="datetime1">
               <a:rPr lang="en-US" smtClean="0"/>
-              <a:t>5/21/23</a:t>
+              <a:t>5/22/23</a:t>
             </a:fld>
             <a:endParaRPr lang="en-US"/>
           </a:p>
@@ -4118,7 +4118,7 @@
           <a:p>
             <a:fld id="{5CBA777E-FE95-3E40-9E3A-837DD39FEE15}" type="datetime1">
               <a:rPr lang="en-US" smtClean="0"/>
-              <a:t>5/21/23</a:t>
+              <a:t>5/22/23</a:t>
             </a:fld>
             <a:endParaRPr lang="en-US"/>
           </a:p>
@@ -4406,7 +4406,7 @@
           <a:p>
             <a:fld id="{21262F62-C870-1A46-B89C-F9319BBEAAC6}" type="datetime1">
               <a:rPr lang="en-US" smtClean="0"/>
-              <a:t>5/21/23</a:t>
+              <a:t>5/22/23</a:t>
             </a:fld>
             <a:endParaRPr lang="en-US"/>
           </a:p>
@@ -4647,7 +4647,7 @@
           <a:p>
             <a:fld id="{95277300-BA5E-404D-9C5C-6790A31E4A9D}" type="datetime1">
               <a:rPr lang="en-US" smtClean="0"/>
-              <a:t>5/21/23</a:t>
+              <a:t>5/22/23</a:t>
             </a:fld>
             <a:endParaRPr lang="en-US"/>
           </a:p>
@@ -34407,7 +34407,7 @@
             <a:r>
               <a:rPr lang="en-US" sz="3200" dirty="0">
                 <a:solidFill>
-                  <a:srgbClr val="0070C0"/>
+                  <a:srgbClr val="00B050"/>
                 </a:solidFill>
               </a:rPr>
               <a:t>Teaching</a:t>
@@ -34439,8 +34439,8 @@
         </p:blipFill>
         <p:spPr>
           <a:xfrm>
-            <a:off x="6851650" y="360227"/>
-            <a:ext cx="4832740" cy="6202017"/>
+            <a:off x="6851650" y="307219"/>
+            <a:ext cx="4924884" cy="6320269"/>
           </a:xfrm>
         </p:spPr>
       </p:pic>
@@ -34548,6 +34548,788 @@
               <a:t>https://www.pblworks.org/what-is-pbl</a:t>
             </a:r>
             <a:endParaRPr lang="en-US" altLang="zh-TW" sz="1000" dirty="0"/>
+          </a:p>
+        </p:txBody>
+      </p:sp>
+      <p:sp>
+        <p:nvSpPr>
+          <p:cNvPr id="3" name="Oval 2">
+            <a:extLst>
+              <a:ext uri="{FF2B5EF4-FFF2-40B4-BE49-F238E27FC236}">
+                <a16:creationId xmlns:a16="http://schemas.microsoft.com/office/drawing/2014/main" id="{54BBD447-6EAB-2A09-0A21-46CF7B0D5EE3}"/>
+              </a:ext>
+            </a:extLst>
+          </p:cNvPr>
+          <p:cNvSpPr/>
+          <p:nvPr/>
+        </p:nvSpPr>
+        <p:spPr>
+          <a:xfrm>
+            <a:off x="2760935" y="2451651"/>
+            <a:ext cx="432835" cy="430811"/>
+          </a:xfrm>
+          <a:prstGeom prst="ellipse">
+            <a:avLst/>
+          </a:prstGeom>
+          <a:solidFill>
+            <a:srgbClr val="FFC000"/>
+          </a:solidFill>
+          <a:ln>
+            <a:noFill/>
+          </a:ln>
+        </p:spPr>
+        <p:style>
+          <a:lnRef idx="2">
+            <a:schemeClr val="accent1">
+              <a:shade val="50000"/>
+            </a:schemeClr>
+          </a:lnRef>
+          <a:fillRef idx="1">
+            <a:schemeClr val="accent1"/>
+          </a:fillRef>
+          <a:effectRef idx="0">
+            <a:schemeClr val="accent1"/>
+          </a:effectRef>
+          <a:fontRef idx="minor">
+            <a:schemeClr val="lt1"/>
+          </a:fontRef>
+        </p:style>
+        <p:txBody>
+          <a:bodyPr lIns="0" tIns="0" rIns="0" bIns="0" rtlCol="0" anchor="ctr"/>
+          <a:lstStyle/>
+          <a:p>
+            <a:pPr algn="ctr"/>
+            <a:r>
+              <a:rPr lang="en-US" sz="2400" b="1" dirty="0"/>
+              <a:t>1</a:t>
+            </a:r>
+          </a:p>
+        </p:txBody>
+      </p:sp>
+      <p:sp>
+        <p:nvSpPr>
+          <p:cNvPr id="5" name="Oval 4">
+            <a:extLst>
+              <a:ext uri="{FF2B5EF4-FFF2-40B4-BE49-F238E27FC236}">
+                <a16:creationId xmlns:a16="http://schemas.microsoft.com/office/drawing/2014/main" id="{F1001D3D-9556-6F90-39A9-7D27F5536751}"/>
+              </a:ext>
+            </a:extLst>
+          </p:cNvPr>
+          <p:cNvSpPr/>
+          <p:nvPr/>
+        </p:nvSpPr>
+        <p:spPr>
+          <a:xfrm>
+            <a:off x="4494171" y="1944697"/>
+            <a:ext cx="432835" cy="430811"/>
+          </a:xfrm>
+          <a:prstGeom prst="ellipse">
+            <a:avLst/>
+          </a:prstGeom>
+          <a:solidFill>
+            <a:srgbClr val="FFC000"/>
+          </a:solidFill>
+          <a:ln>
+            <a:noFill/>
+          </a:ln>
+        </p:spPr>
+        <p:style>
+          <a:lnRef idx="2">
+            <a:schemeClr val="accent1">
+              <a:shade val="50000"/>
+            </a:schemeClr>
+          </a:lnRef>
+          <a:fillRef idx="1">
+            <a:schemeClr val="accent1"/>
+          </a:fillRef>
+          <a:effectRef idx="0">
+            <a:schemeClr val="accent1"/>
+          </a:effectRef>
+          <a:fontRef idx="minor">
+            <a:schemeClr val="lt1"/>
+          </a:fontRef>
+        </p:style>
+        <p:txBody>
+          <a:bodyPr lIns="0" tIns="0" rIns="0" bIns="0" rtlCol="0" anchor="ctr"/>
+          <a:lstStyle/>
+          <a:p>
+            <a:pPr algn="ctr"/>
+            <a:r>
+              <a:rPr lang="en-US" altLang="zh-TW" sz="2400" b="1" dirty="0"/>
+              <a:t>2</a:t>
+            </a:r>
+            <a:endParaRPr lang="en-US" sz="2400" b="1" dirty="0"/>
+          </a:p>
+        </p:txBody>
+      </p:sp>
+      <p:sp>
+        <p:nvSpPr>
+          <p:cNvPr id="7" name="Oval 6">
+            <a:extLst>
+              <a:ext uri="{FF2B5EF4-FFF2-40B4-BE49-F238E27FC236}">
+                <a16:creationId xmlns:a16="http://schemas.microsoft.com/office/drawing/2014/main" id="{1EF1D1FC-E103-2077-52C0-113E6448C739}"/>
+              </a:ext>
+            </a:extLst>
+          </p:cNvPr>
+          <p:cNvSpPr/>
+          <p:nvPr/>
+        </p:nvSpPr>
+        <p:spPr>
+          <a:xfrm>
+            <a:off x="5916613" y="3077700"/>
+            <a:ext cx="432835" cy="430811"/>
+          </a:xfrm>
+          <a:prstGeom prst="ellipse">
+            <a:avLst/>
+          </a:prstGeom>
+          <a:solidFill>
+            <a:srgbClr val="FFC000"/>
+          </a:solidFill>
+          <a:ln>
+            <a:noFill/>
+          </a:ln>
+        </p:spPr>
+        <p:style>
+          <a:lnRef idx="2">
+            <a:schemeClr val="accent1">
+              <a:shade val="50000"/>
+            </a:schemeClr>
+          </a:lnRef>
+          <a:fillRef idx="1">
+            <a:schemeClr val="accent1"/>
+          </a:fillRef>
+          <a:effectRef idx="0">
+            <a:schemeClr val="accent1"/>
+          </a:effectRef>
+          <a:fontRef idx="minor">
+            <a:schemeClr val="lt1"/>
+          </a:fontRef>
+        </p:style>
+        <p:txBody>
+          <a:bodyPr lIns="0" tIns="0" rIns="0" bIns="0" rtlCol="0" anchor="ctr"/>
+          <a:lstStyle/>
+          <a:p>
+            <a:pPr algn="ctr"/>
+            <a:r>
+              <a:rPr lang="en-US" altLang="zh-TW" sz="2400" b="1" dirty="0"/>
+              <a:t>3</a:t>
+            </a:r>
+            <a:endParaRPr lang="en-US" sz="2400" b="1" dirty="0"/>
+          </a:p>
+        </p:txBody>
+      </p:sp>
+      <p:sp>
+        <p:nvSpPr>
+          <p:cNvPr id="10" name="Oval 9">
+            <a:extLst>
+              <a:ext uri="{FF2B5EF4-FFF2-40B4-BE49-F238E27FC236}">
+                <a16:creationId xmlns:a16="http://schemas.microsoft.com/office/drawing/2014/main" id="{61CB2566-A4A3-F6B9-3A90-2CA3BE8A3908}"/>
+              </a:ext>
+            </a:extLst>
+          </p:cNvPr>
+          <p:cNvSpPr/>
+          <p:nvPr/>
+        </p:nvSpPr>
+        <p:spPr>
+          <a:xfrm>
+            <a:off x="5944609" y="4837675"/>
+            <a:ext cx="432835" cy="430811"/>
+          </a:xfrm>
+          <a:prstGeom prst="ellipse">
+            <a:avLst/>
+          </a:prstGeom>
+          <a:solidFill>
+            <a:srgbClr val="FFC000"/>
+          </a:solidFill>
+          <a:ln>
+            <a:noFill/>
+          </a:ln>
+        </p:spPr>
+        <p:style>
+          <a:lnRef idx="2">
+            <a:schemeClr val="accent1">
+              <a:shade val="50000"/>
+            </a:schemeClr>
+          </a:lnRef>
+          <a:fillRef idx="1">
+            <a:schemeClr val="accent1"/>
+          </a:fillRef>
+          <a:effectRef idx="0">
+            <a:schemeClr val="accent1"/>
+          </a:effectRef>
+          <a:fontRef idx="minor">
+            <a:schemeClr val="lt1"/>
+          </a:fontRef>
+        </p:style>
+        <p:txBody>
+          <a:bodyPr lIns="0" tIns="0" rIns="0" bIns="0" rtlCol="0" anchor="ctr"/>
+          <a:lstStyle/>
+          <a:p>
+            <a:pPr algn="ctr"/>
+            <a:r>
+              <a:rPr lang="en-US" altLang="zh-TW" sz="2400" b="1" dirty="0"/>
+              <a:t>4</a:t>
+            </a:r>
+            <a:endParaRPr lang="en-US" sz="2400" b="1" dirty="0"/>
+          </a:p>
+        </p:txBody>
+      </p:sp>
+      <p:sp>
+        <p:nvSpPr>
+          <p:cNvPr id="11" name="Oval 10">
+            <a:extLst>
+              <a:ext uri="{FF2B5EF4-FFF2-40B4-BE49-F238E27FC236}">
+                <a16:creationId xmlns:a16="http://schemas.microsoft.com/office/drawing/2014/main" id="{991390A5-F0C7-C565-AF62-4BC9EFF11338}"/>
+              </a:ext>
+            </a:extLst>
+          </p:cNvPr>
+          <p:cNvSpPr/>
+          <p:nvPr/>
+        </p:nvSpPr>
+        <p:spPr>
+          <a:xfrm>
+            <a:off x="4495663" y="5989335"/>
+            <a:ext cx="432835" cy="430811"/>
+          </a:xfrm>
+          <a:prstGeom prst="ellipse">
+            <a:avLst/>
+          </a:prstGeom>
+          <a:solidFill>
+            <a:srgbClr val="FFC000"/>
+          </a:solidFill>
+          <a:ln>
+            <a:noFill/>
+          </a:ln>
+        </p:spPr>
+        <p:style>
+          <a:lnRef idx="2">
+            <a:schemeClr val="accent1">
+              <a:shade val="50000"/>
+            </a:schemeClr>
+          </a:lnRef>
+          <a:fillRef idx="1">
+            <a:schemeClr val="accent1"/>
+          </a:fillRef>
+          <a:effectRef idx="0">
+            <a:schemeClr val="accent1"/>
+          </a:effectRef>
+          <a:fontRef idx="minor">
+            <a:schemeClr val="lt1"/>
+          </a:fontRef>
+        </p:style>
+        <p:txBody>
+          <a:bodyPr lIns="0" tIns="0" rIns="0" bIns="0" rtlCol="0" anchor="ctr"/>
+          <a:lstStyle/>
+          <a:p>
+            <a:pPr algn="ctr"/>
+            <a:r>
+              <a:rPr lang="en-US" altLang="zh-TW" sz="2400" b="1" dirty="0"/>
+              <a:t>5</a:t>
+            </a:r>
+            <a:endParaRPr lang="en-US" sz="2400" b="1" dirty="0"/>
+          </a:p>
+        </p:txBody>
+      </p:sp>
+      <p:sp>
+        <p:nvSpPr>
+          <p:cNvPr id="12" name="Oval 11">
+            <a:extLst>
+              <a:ext uri="{FF2B5EF4-FFF2-40B4-BE49-F238E27FC236}">
+                <a16:creationId xmlns:a16="http://schemas.microsoft.com/office/drawing/2014/main" id="{2747B5B8-050D-E4AC-A638-998BC67144E2}"/>
+              </a:ext>
+            </a:extLst>
+          </p:cNvPr>
+          <p:cNvSpPr/>
+          <p:nvPr/>
+        </p:nvSpPr>
+        <p:spPr>
+          <a:xfrm>
+            <a:off x="2710268" y="5558524"/>
+            <a:ext cx="432835" cy="430811"/>
+          </a:xfrm>
+          <a:prstGeom prst="ellipse">
+            <a:avLst/>
+          </a:prstGeom>
+          <a:solidFill>
+            <a:srgbClr val="FFC000"/>
+          </a:solidFill>
+          <a:ln>
+            <a:noFill/>
+          </a:ln>
+        </p:spPr>
+        <p:style>
+          <a:lnRef idx="2">
+            <a:schemeClr val="accent1">
+              <a:shade val="50000"/>
+            </a:schemeClr>
+          </a:lnRef>
+          <a:fillRef idx="1">
+            <a:schemeClr val="accent1"/>
+          </a:fillRef>
+          <a:effectRef idx="0">
+            <a:schemeClr val="accent1"/>
+          </a:effectRef>
+          <a:fontRef idx="minor">
+            <a:schemeClr val="lt1"/>
+          </a:fontRef>
+        </p:style>
+        <p:txBody>
+          <a:bodyPr lIns="0" tIns="0" rIns="0" bIns="0" rtlCol="0" anchor="ctr"/>
+          <a:lstStyle/>
+          <a:p>
+            <a:pPr algn="ctr"/>
+            <a:r>
+              <a:rPr lang="en-US" altLang="zh-TW" sz="2400" b="1" dirty="0"/>
+              <a:t>6</a:t>
+            </a:r>
+            <a:endParaRPr lang="en-US" sz="2400" b="1" dirty="0"/>
+          </a:p>
+        </p:txBody>
+      </p:sp>
+      <p:sp>
+        <p:nvSpPr>
+          <p:cNvPr id="13" name="Oval 12">
+            <a:extLst>
+              <a:ext uri="{FF2B5EF4-FFF2-40B4-BE49-F238E27FC236}">
+                <a16:creationId xmlns:a16="http://schemas.microsoft.com/office/drawing/2014/main" id="{CE8747AF-FCFD-952F-E068-2EE997300C5C}"/>
+              </a:ext>
+            </a:extLst>
+          </p:cNvPr>
+          <p:cNvSpPr/>
+          <p:nvPr/>
+        </p:nvSpPr>
+        <p:spPr>
+          <a:xfrm>
+            <a:off x="1992309" y="3948384"/>
+            <a:ext cx="432835" cy="430811"/>
+          </a:xfrm>
+          <a:prstGeom prst="ellipse">
+            <a:avLst/>
+          </a:prstGeom>
+          <a:solidFill>
+            <a:srgbClr val="FFC000"/>
+          </a:solidFill>
+          <a:ln>
+            <a:noFill/>
+          </a:ln>
+        </p:spPr>
+        <p:style>
+          <a:lnRef idx="2">
+            <a:schemeClr val="accent1">
+              <a:shade val="50000"/>
+            </a:schemeClr>
+          </a:lnRef>
+          <a:fillRef idx="1">
+            <a:schemeClr val="accent1"/>
+          </a:fillRef>
+          <a:effectRef idx="0">
+            <a:schemeClr val="accent1"/>
+          </a:effectRef>
+          <a:fontRef idx="minor">
+            <a:schemeClr val="lt1"/>
+          </a:fontRef>
+        </p:style>
+        <p:txBody>
+          <a:bodyPr lIns="0" tIns="0" rIns="0" bIns="0" rtlCol="0" anchor="ctr"/>
+          <a:lstStyle/>
+          <a:p>
+            <a:pPr algn="ctr"/>
+            <a:r>
+              <a:rPr lang="en-US" altLang="zh-TW" sz="2400" b="1" dirty="0"/>
+              <a:t>7</a:t>
+            </a:r>
+            <a:endParaRPr lang="en-US" sz="2400" b="1" dirty="0"/>
+          </a:p>
+        </p:txBody>
+      </p:sp>
+      <p:sp>
+        <p:nvSpPr>
+          <p:cNvPr id="14" name="Oval 13">
+            <a:extLst>
+              <a:ext uri="{FF2B5EF4-FFF2-40B4-BE49-F238E27FC236}">
+                <a16:creationId xmlns:a16="http://schemas.microsoft.com/office/drawing/2014/main" id="{2469371F-BF67-9DB1-A60C-01905B219C10}"/>
+              </a:ext>
+            </a:extLst>
+          </p:cNvPr>
+          <p:cNvSpPr/>
+          <p:nvPr/>
+        </p:nvSpPr>
+        <p:spPr>
+          <a:xfrm>
+            <a:off x="7839734" y="2411895"/>
+            <a:ext cx="432835" cy="430811"/>
+          </a:xfrm>
+          <a:prstGeom prst="ellipse">
+            <a:avLst/>
+          </a:prstGeom>
+          <a:solidFill>
+            <a:srgbClr val="00B050"/>
+          </a:solidFill>
+          <a:ln>
+            <a:noFill/>
+          </a:ln>
+        </p:spPr>
+        <p:style>
+          <a:lnRef idx="2">
+            <a:schemeClr val="accent1">
+              <a:shade val="50000"/>
+            </a:schemeClr>
+          </a:lnRef>
+          <a:fillRef idx="1">
+            <a:schemeClr val="accent1"/>
+          </a:fillRef>
+          <a:effectRef idx="0">
+            <a:schemeClr val="accent1"/>
+          </a:effectRef>
+          <a:fontRef idx="minor">
+            <a:schemeClr val="lt1"/>
+          </a:fontRef>
+        </p:style>
+        <p:txBody>
+          <a:bodyPr lIns="0" tIns="0" rIns="0" bIns="0" rtlCol="0" anchor="ctr"/>
+          <a:lstStyle/>
+          <a:p>
+            <a:pPr algn="ctr"/>
+            <a:r>
+              <a:rPr lang="en-US" sz="2400" b="1" dirty="0"/>
+              <a:t>1</a:t>
+            </a:r>
+          </a:p>
+        </p:txBody>
+      </p:sp>
+      <p:sp>
+        <p:nvSpPr>
+          <p:cNvPr id="15" name="Oval 14">
+            <a:extLst>
+              <a:ext uri="{FF2B5EF4-FFF2-40B4-BE49-F238E27FC236}">
+                <a16:creationId xmlns:a16="http://schemas.microsoft.com/office/drawing/2014/main" id="{8D4A8867-53AB-7B65-D065-7730B982AB33}"/>
+              </a:ext>
+            </a:extLst>
+          </p:cNvPr>
+          <p:cNvSpPr/>
+          <p:nvPr/>
+        </p:nvSpPr>
+        <p:spPr>
+          <a:xfrm>
+            <a:off x="9559718" y="1944697"/>
+            <a:ext cx="432835" cy="430811"/>
+          </a:xfrm>
+          <a:prstGeom prst="ellipse">
+            <a:avLst/>
+          </a:prstGeom>
+          <a:solidFill>
+            <a:srgbClr val="00B050"/>
+          </a:solidFill>
+          <a:ln>
+            <a:noFill/>
+          </a:ln>
+        </p:spPr>
+        <p:style>
+          <a:lnRef idx="2">
+            <a:schemeClr val="accent1">
+              <a:shade val="50000"/>
+            </a:schemeClr>
+          </a:lnRef>
+          <a:fillRef idx="1">
+            <a:schemeClr val="accent1"/>
+          </a:fillRef>
+          <a:effectRef idx="0">
+            <a:schemeClr val="accent1"/>
+          </a:effectRef>
+          <a:fontRef idx="minor">
+            <a:schemeClr val="lt1"/>
+          </a:fontRef>
+        </p:style>
+        <p:txBody>
+          <a:bodyPr lIns="0" tIns="0" rIns="0" bIns="0" rtlCol="0" anchor="ctr"/>
+          <a:lstStyle/>
+          <a:p>
+            <a:pPr algn="ctr"/>
+            <a:r>
+              <a:rPr lang="en-US" altLang="zh-TW" sz="2400" b="1" dirty="0"/>
+              <a:t>2</a:t>
+            </a:r>
+            <a:endParaRPr lang="en-US" sz="2400" b="1" dirty="0"/>
+          </a:p>
+        </p:txBody>
+      </p:sp>
+      <p:sp>
+        <p:nvSpPr>
+          <p:cNvPr id="16" name="Oval 15">
+            <a:extLst>
+              <a:ext uri="{FF2B5EF4-FFF2-40B4-BE49-F238E27FC236}">
+                <a16:creationId xmlns:a16="http://schemas.microsoft.com/office/drawing/2014/main" id="{06EE2F10-DAD8-F326-C09C-1215E65D67D0}"/>
+              </a:ext>
+            </a:extLst>
+          </p:cNvPr>
+          <p:cNvSpPr/>
+          <p:nvPr/>
+        </p:nvSpPr>
+        <p:spPr>
+          <a:xfrm>
+            <a:off x="10982160" y="3143960"/>
+            <a:ext cx="432835" cy="430811"/>
+          </a:xfrm>
+          <a:prstGeom prst="ellipse">
+            <a:avLst/>
+          </a:prstGeom>
+          <a:solidFill>
+            <a:srgbClr val="00B050"/>
+          </a:solidFill>
+          <a:ln>
+            <a:noFill/>
+          </a:ln>
+        </p:spPr>
+        <p:style>
+          <a:lnRef idx="2">
+            <a:schemeClr val="accent1">
+              <a:shade val="50000"/>
+            </a:schemeClr>
+          </a:lnRef>
+          <a:fillRef idx="1">
+            <a:schemeClr val="accent1"/>
+          </a:fillRef>
+          <a:effectRef idx="0">
+            <a:schemeClr val="accent1"/>
+          </a:effectRef>
+          <a:fontRef idx="minor">
+            <a:schemeClr val="lt1"/>
+          </a:fontRef>
+        </p:style>
+        <p:txBody>
+          <a:bodyPr lIns="0" tIns="0" rIns="0" bIns="0" rtlCol="0" anchor="ctr"/>
+          <a:lstStyle/>
+          <a:p>
+            <a:pPr algn="ctr"/>
+            <a:r>
+              <a:rPr lang="en-US" altLang="zh-TW" sz="2400" b="1" dirty="0"/>
+              <a:t>3</a:t>
+            </a:r>
+            <a:endParaRPr lang="en-US" sz="2400" b="1" dirty="0"/>
+          </a:p>
+        </p:txBody>
+      </p:sp>
+      <p:sp>
+        <p:nvSpPr>
+          <p:cNvPr id="17" name="Oval 16">
+            <a:extLst>
+              <a:ext uri="{FF2B5EF4-FFF2-40B4-BE49-F238E27FC236}">
+                <a16:creationId xmlns:a16="http://schemas.microsoft.com/office/drawing/2014/main" id="{2D2453CA-B682-B853-C943-76E18F39D2DF}"/>
+              </a:ext>
+            </a:extLst>
+          </p:cNvPr>
+          <p:cNvSpPr/>
+          <p:nvPr/>
+        </p:nvSpPr>
+        <p:spPr>
+          <a:xfrm>
+            <a:off x="10943896" y="4850927"/>
+            <a:ext cx="432835" cy="430811"/>
+          </a:xfrm>
+          <a:prstGeom prst="ellipse">
+            <a:avLst/>
+          </a:prstGeom>
+          <a:solidFill>
+            <a:srgbClr val="00B050"/>
+          </a:solidFill>
+          <a:ln>
+            <a:noFill/>
+          </a:ln>
+        </p:spPr>
+        <p:style>
+          <a:lnRef idx="2">
+            <a:schemeClr val="accent1">
+              <a:shade val="50000"/>
+            </a:schemeClr>
+          </a:lnRef>
+          <a:fillRef idx="1">
+            <a:schemeClr val="accent1"/>
+          </a:fillRef>
+          <a:effectRef idx="0">
+            <a:schemeClr val="accent1"/>
+          </a:effectRef>
+          <a:fontRef idx="minor">
+            <a:schemeClr val="lt1"/>
+          </a:fontRef>
+        </p:style>
+        <p:txBody>
+          <a:bodyPr lIns="0" tIns="0" rIns="0" bIns="0" rtlCol="0" anchor="ctr"/>
+          <a:lstStyle/>
+          <a:p>
+            <a:pPr algn="ctr"/>
+            <a:r>
+              <a:rPr lang="en-US" altLang="zh-TW" sz="2400" b="1" dirty="0"/>
+              <a:t>4</a:t>
+            </a:r>
+            <a:endParaRPr lang="en-US" sz="2400" b="1" dirty="0"/>
+          </a:p>
+        </p:txBody>
+      </p:sp>
+      <p:sp>
+        <p:nvSpPr>
+          <p:cNvPr id="18" name="Oval 17">
+            <a:extLst>
+              <a:ext uri="{FF2B5EF4-FFF2-40B4-BE49-F238E27FC236}">
+                <a16:creationId xmlns:a16="http://schemas.microsoft.com/office/drawing/2014/main" id="{5BE97282-200A-8F88-160A-5D92E0E741B9}"/>
+              </a:ext>
+            </a:extLst>
+          </p:cNvPr>
+          <p:cNvSpPr/>
+          <p:nvPr/>
+        </p:nvSpPr>
+        <p:spPr>
+          <a:xfrm>
+            <a:off x="9508202" y="5989335"/>
+            <a:ext cx="432835" cy="430811"/>
+          </a:xfrm>
+          <a:prstGeom prst="ellipse">
+            <a:avLst/>
+          </a:prstGeom>
+          <a:solidFill>
+            <a:srgbClr val="00B050"/>
+          </a:solidFill>
+          <a:ln>
+            <a:noFill/>
+          </a:ln>
+        </p:spPr>
+        <p:style>
+          <a:lnRef idx="2">
+            <a:schemeClr val="accent1">
+              <a:shade val="50000"/>
+            </a:schemeClr>
+          </a:lnRef>
+          <a:fillRef idx="1">
+            <a:schemeClr val="accent1"/>
+          </a:fillRef>
+          <a:effectRef idx="0">
+            <a:schemeClr val="accent1"/>
+          </a:effectRef>
+          <a:fontRef idx="minor">
+            <a:schemeClr val="lt1"/>
+          </a:fontRef>
+        </p:style>
+        <p:txBody>
+          <a:bodyPr lIns="0" tIns="0" rIns="0" bIns="0" rtlCol="0" anchor="ctr"/>
+          <a:lstStyle/>
+          <a:p>
+            <a:pPr algn="ctr"/>
+            <a:r>
+              <a:rPr lang="en-US" altLang="zh-TW" sz="2400" b="1" dirty="0"/>
+              <a:t>5</a:t>
+            </a:r>
+            <a:endParaRPr lang="en-US" sz="2400" b="1" dirty="0"/>
+          </a:p>
+        </p:txBody>
+      </p:sp>
+      <p:sp>
+        <p:nvSpPr>
+          <p:cNvPr id="19" name="Oval 18">
+            <a:extLst>
+              <a:ext uri="{FF2B5EF4-FFF2-40B4-BE49-F238E27FC236}">
+                <a16:creationId xmlns:a16="http://schemas.microsoft.com/office/drawing/2014/main" id="{17224237-2DBA-CF3D-F2E5-874CF3A9FADC}"/>
+              </a:ext>
+            </a:extLst>
+          </p:cNvPr>
+          <p:cNvSpPr/>
+          <p:nvPr/>
+        </p:nvSpPr>
+        <p:spPr>
+          <a:xfrm>
+            <a:off x="8146875" y="5823565"/>
+            <a:ext cx="432835" cy="430811"/>
+          </a:xfrm>
+          <a:prstGeom prst="ellipse">
+            <a:avLst/>
+          </a:prstGeom>
+          <a:solidFill>
+            <a:srgbClr val="00B050"/>
+          </a:solidFill>
+          <a:ln>
+            <a:noFill/>
+          </a:ln>
+        </p:spPr>
+        <p:style>
+          <a:lnRef idx="2">
+            <a:schemeClr val="accent1">
+              <a:shade val="50000"/>
+            </a:schemeClr>
+          </a:lnRef>
+          <a:fillRef idx="1">
+            <a:schemeClr val="accent1"/>
+          </a:fillRef>
+          <a:effectRef idx="0">
+            <a:schemeClr val="accent1"/>
+          </a:effectRef>
+          <a:fontRef idx="minor">
+            <a:schemeClr val="lt1"/>
+          </a:fontRef>
+        </p:style>
+        <p:txBody>
+          <a:bodyPr lIns="0" tIns="0" rIns="0" bIns="0" rtlCol="0" anchor="ctr"/>
+          <a:lstStyle/>
+          <a:p>
+            <a:pPr algn="ctr"/>
+            <a:r>
+              <a:rPr lang="en-US" altLang="zh-TW" sz="2400" b="1" dirty="0"/>
+              <a:t>6</a:t>
+            </a:r>
+            <a:endParaRPr lang="en-US" sz="2400" b="1" dirty="0"/>
+          </a:p>
+        </p:txBody>
+      </p:sp>
+      <p:sp>
+        <p:nvSpPr>
+          <p:cNvPr id="20" name="Oval 19">
+            <a:extLst>
+              <a:ext uri="{FF2B5EF4-FFF2-40B4-BE49-F238E27FC236}">
+                <a16:creationId xmlns:a16="http://schemas.microsoft.com/office/drawing/2014/main" id="{282155A0-0002-3D98-C0A0-BF07ED8D49D7}"/>
+              </a:ext>
+            </a:extLst>
+          </p:cNvPr>
+          <p:cNvSpPr/>
+          <p:nvPr/>
+        </p:nvSpPr>
+        <p:spPr>
+          <a:xfrm>
+            <a:off x="7044604" y="3988140"/>
+            <a:ext cx="432835" cy="430811"/>
+          </a:xfrm>
+          <a:prstGeom prst="ellipse">
+            <a:avLst/>
+          </a:prstGeom>
+          <a:solidFill>
+            <a:srgbClr val="00B050"/>
+          </a:solidFill>
+          <a:ln>
+            <a:noFill/>
+          </a:ln>
+        </p:spPr>
+        <p:style>
+          <a:lnRef idx="2">
+            <a:schemeClr val="accent1">
+              <a:shade val="50000"/>
+            </a:schemeClr>
+          </a:lnRef>
+          <a:fillRef idx="1">
+            <a:schemeClr val="accent1"/>
+          </a:fillRef>
+          <a:effectRef idx="0">
+            <a:schemeClr val="accent1"/>
+          </a:effectRef>
+          <a:fontRef idx="minor">
+            <a:schemeClr val="lt1"/>
+          </a:fontRef>
+        </p:style>
+        <p:txBody>
+          <a:bodyPr lIns="0" tIns="0" rIns="0" bIns="0" rtlCol="0" anchor="ctr"/>
+          <a:lstStyle/>
+          <a:p>
+            <a:pPr algn="ctr"/>
+            <a:r>
+              <a:rPr lang="en-US" altLang="zh-TW" sz="2400" b="1" dirty="0"/>
+              <a:t>7</a:t>
+            </a:r>
+            <a:endParaRPr lang="en-US" sz="2400" b="1" dirty="0"/>
           </a:p>
         </p:txBody>
       </p:sp>
